--- a/docs/ProjectPlanPresentation.pptx
+++ b/docs/ProjectPlanPresentation.pptx
@@ -10203,8 +10203,8 @@
         </p:nvSpPr>
         <p:spPr>
           <a:xfrm>
-            <a:off x="1297500" y="1567550"/>
-            <a:ext cx="3521400" cy="2911200"/>
+            <a:off x="1083575" y="1110350"/>
+            <a:ext cx="3264900" cy="2911200"/>
           </a:xfrm>
           <a:prstGeom prst="rect">
             <a:avLst/>
@@ -10227,7 +10227,7 @@
             </a:pPr>
             <a:r>
               <a:rPr lang="en"/>
-              <a:t>Team:</a:t>
+              <a:t>CSE Team:</a:t>
             </a:r>
             <a:endParaRPr/>
           </a:p>
@@ -10244,11 +10244,7 @@
             </a:pPr>
             <a:r>
               <a:rPr lang="en"/>
-              <a:t>CSE: </a:t>
-            </a:r>
-            <a:r>
-              <a:rPr lang="en"/>
-              <a:t>Chris Millsap &amp; Giampiero Corsbie</a:t>
+              <a:t>Chris Millsap</a:t>
             </a:r>
             <a:endParaRPr/>
           </a:p>
@@ -10265,7 +10261,7 @@
             </a:pPr>
             <a:r>
               <a:rPr lang="en"/>
-              <a:t>Various members from BIO, CSE, ECE, MEE</a:t>
+              <a:t>Giampiero Corsbie</a:t>
             </a:r>
             <a:endParaRPr/>
           </a:p>
@@ -10299,6 +10295,56 @@
             <a:r>
               <a:rPr lang="en"/>
               <a:t>Dr. Philip Chan</a:t>
+            </a:r>
+            <a:endParaRPr/>
+          </a:p>
+          <a:p>
+            <a:pPr indent="0" lvl="0" marL="0" rtl="0" algn="l">
+              <a:spcBef>
+                <a:spcPts val="1600"/>
+              </a:spcBef>
+              <a:spcAft>
+                <a:spcPts val="0"/>
+              </a:spcAft>
+              <a:buNone/>
+            </a:pPr>
+            <a:r>
+              <a:rPr lang="en"/>
+              <a:t>Potential Clients/Sponsors:</a:t>
+            </a:r>
+            <a:endParaRPr/>
+          </a:p>
+          <a:p>
+            <a:pPr indent="-311150" lvl="0" marL="457200" rtl="0" algn="l">
+              <a:spcBef>
+                <a:spcPts val="1600"/>
+              </a:spcBef>
+              <a:spcAft>
+                <a:spcPts val="0"/>
+              </a:spcAft>
+              <a:buSzPts val="1300"/>
+              <a:buChar char="●"/>
+            </a:pPr>
+            <a:r>
+              <a:rPr lang="en"/>
+              <a:t>NASA</a:t>
+            </a:r>
+            <a:endParaRPr/>
+          </a:p>
+          <a:p>
+            <a:pPr indent="-311150" lvl="0" marL="457200" rtl="0" algn="l">
+              <a:spcBef>
+                <a:spcPts val="0"/>
+              </a:spcBef>
+              <a:spcAft>
+                <a:spcPts val="0"/>
+              </a:spcAft>
+              <a:buSzPts val="1300"/>
+              <a:buChar char="●"/>
+            </a:pPr>
+            <a:r>
+              <a:rPr lang="en"/>
+              <a:t>Companies that want prolonged human habitation in space and/or on other planets</a:t>
             </a:r>
             <a:endParaRPr/>
           </a:p>
@@ -10329,8 +10375,8 @@
         </p:nvSpPr>
         <p:spPr>
           <a:xfrm>
-            <a:off x="4967100" y="1567550"/>
-            <a:ext cx="3369300" cy="2911200"/>
+            <a:off x="4348400" y="1110350"/>
+            <a:ext cx="4693200" cy="3481200"/>
           </a:xfrm>
           <a:prstGeom prst="rect">
             <a:avLst/>
@@ -10345,60 +10391,6 @@
             <a:pPr indent="0" lvl="0" marL="0" rtl="0" algn="l">
               <a:spcBef>
                 <a:spcPts val="0"/>
-              </a:spcBef>
-              <a:spcAft>
-                <a:spcPts val="0"/>
-              </a:spcAft>
-              <a:buNone/>
-            </a:pPr>
-            <a:r>
-              <a:rPr lang="en"/>
-              <a:t>Potential Clients/Sponsors</a:t>
-            </a:r>
-            <a:r>
-              <a:rPr lang="en"/>
-              <a:t>:</a:t>
-            </a:r>
-            <a:endParaRPr/>
-          </a:p>
-          <a:p>
-            <a:pPr indent="-311150" lvl="0" marL="457200" rtl="0" algn="l">
-              <a:spcBef>
-                <a:spcPts val="1600"/>
-              </a:spcBef>
-              <a:spcAft>
-                <a:spcPts val="0"/>
-              </a:spcAft>
-              <a:buSzPts val="1300"/>
-              <a:buChar char="●"/>
-            </a:pPr>
-            <a:r>
-              <a:rPr lang="en"/>
-              <a:t>NASA</a:t>
-            </a:r>
-            <a:endParaRPr/>
-          </a:p>
-          <a:p>
-            <a:pPr indent="-311150" lvl="0" marL="457200" rtl="0" algn="l">
-              <a:spcBef>
-                <a:spcPts val="0"/>
-              </a:spcBef>
-              <a:spcAft>
-                <a:spcPts val="0"/>
-              </a:spcAft>
-              <a:buSzPts val="1300"/>
-              <a:buChar char="●"/>
-            </a:pPr>
-            <a:r>
-              <a:rPr lang="en"/>
-              <a:t>Companies that want prolonged human habitation in space and/or on other planets</a:t>
-            </a:r>
-            <a:endParaRPr/>
-          </a:p>
-          <a:p>
-            <a:pPr indent="0" lvl="0" marL="0" rtl="0" algn="l">
-              <a:spcBef>
-                <a:spcPts val="1600"/>
               </a:spcBef>
               <a:spcAft>
                 <a:spcPts val="0"/>
@@ -10428,20 +10420,20 @@
             </a:pPr>
             <a:r>
               <a:rPr lang="en"/>
-              <a:t>Lisa Kames Ph.D. Student</a:t>
+              <a:t>BIO:</a:t>
             </a:r>
             <a:endParaRPr/>
           </a:p>
           <a:p>
-            <a:pPr indent="-311150" lvl="0" marL="457200" rtl="0" algn="l">
-              <a:spcBef>
-                <a:spcPts val="0"/>
-              </a:spcBef>
-              <a:spcAft>
-                <a:spcPts val="0"/>
-              </a:spcAft>
-              <a:buSzPts val="1300"/>
-              <a:buChar char="●"/>
+            <a:pPr indent="-298450" lvl="1" marL="914400" rtl="0" algn="l">
+              <a:spcBef>
+                <a:spcPts val="0"/>
+              </a:spcBef>
+              <a:spcAft>
+                <a:spcPts val="0"/>
+              </a:spcAft>
+              <a:buSzPts val="1100"/>
+              <a:buChar char="○"/>
             </a:pPr>
             <a:r>
               <a:rPr lang="en"/>
@@ -10450,6 +10442,23 @@
             <a:endParaRPr/>
           </a:p>
           <a:p>
+            <a:pPr indent="-298450" lvl="1" marL="914400" rtl="0" algn="l">
+              <a:spcBef>
+                <a:spcPts val="0"/>
+              </a:spcBef>
+              <a:spcAft>
+                <a:spcPts val="0"/>
+              </a:spcAft>
+              <a:buSzPts val="1100"/>
+              <a:buChar char="○"/>
+            </a:pPr>
+            <a:r>
+              <a:rPr lang="en"/>
+              <a:t>David Masaitis</a:t>
+            </a:r>
+            <a:endParaRPr/>
+          </a:p>
+          <a:p>
             <a:pPr indent="-311150" lvl="0" marL="457200" rtl="0" algn="l">
               <a:spcBef>
                 <a:spcPts val="0"/>
@@ -10462,20 +10471,178 @@
             </a:pPr>
             <a:r>
               <a:rPr lang="en"/>
-              <a:t>Dr. Ken Gibbs</a:t>
+              <a:t>MEE:</a:t>
             </a:r>
             <a:endParaRPr/>
           </a:p>
           <a:p>
-            <a:pPr indent="0" lvl="0" marL="0" rtl="0" algn="l">
-              <a:spcBef>
-                <a:spcPts val="1600"/>
-              </a:spcBef>
-              <a:spcAft>
-                <a:spcPts val="0"/>
-              </a:spcAft>
-              <a:buNone/>
+            <a:pPr indent="-298450" lvl="1" marL="914400" rtl="0" algn="l">
+              <a:spcBef>
+                <a:spcPts val="0"/>
+              </a:spcBef>
+              <a:spcAft>
+                <a:spcPts val="0"/>
+              </a:spcAft>
+              <a:buSzPts val="1100"/>
+              <a:buChar char="○"/>
             </a:pPr>
+            <a:r>
+              <a:rPr lang="en"/>
+              <a:t>Elisabeth Kames Ph.D. - Coordinator</a:t>
+            </a:r>
+            <a:endParaRPr/>
+          </a:p>
+          <a:p>
+            <a:pPr indent="-298450" lvl="1" marL="914400" rtl="0" algn="l">
+              <a:spcBef>
+                <a:spcPts val="0"/>
+              </a:spcBef>
+              <a:spcAft>
+                <a:spcPts val="0"/>
+              </a:spcAft>
+              <a:buSzPts val="1100"/>
+              <a:buChar char="○"/>
+            </a:pPr>
+            <a:r>
+              <a:rPr lang="en"/>
+              <a:t>Dominic Allard</a:t>
+            </a:r>
+            <a:endParaRPr/>
+          </a:p>
+          <a:p>
+            <a:pPr indent="-298450" lvl="1" marL="914400" rtl="0" algn="l">
+              <a:spcBef>
+                <a:spcPts val="0"/>
+              </a:spcBef>
+              <a:spcAft>
+                <a:spcPts val="0"/>
+              </a:spcAft>
+              <a:buSzPts val="1100"/>
+              <a:buChar char="○"/>
+            </a:pPr>
+            <a:r>
+              <a:rPr lang="en"/>
+              <a:t>Courtney Cline</a:t>
+            </a:r>
+            <a:endParaRPr/>
+          </a:p>
+          <a:p>
+            <a:pPr indent="-298450" lvl="1" marL="914400" rtl="0" algn="l">
+              <a:spcBef>
+                <a:spcPts val="0"/>
+              </a:spcBef>
+              <a:spcAft>
+                <a:spcPts val="0"/>
+              </a:spcAft>
+              <a:buSzPts val="1100"/>
+              <a:buChar char="○"/>
+            </a:pPr>
+            <a:r>
+              <a:rPr lang="en"/>
+              <a:t>Joseph Luya</a:t>
+            </a:r>
+            <a:endParaRPr/>
+          </a:p>
+          <a:p>
+            <a:pPr indent="-298450" lvl="1" marL="914400" rtl="0" algn="l">
+              <a:spcBef>
+                <a:spcPts val="0"/>
+              </a:spcBef>
+              <a:spcAft>
+                <a:spcPts val="0"/>
+              </a:spcAft>
+              <a:buSzPts val="1100"/>
+              <a:buChar char="○"/>
+            </a:pPr>
+            <a:r>
+              <a:rPr lang="en"/>
+              <a:t>Bryce Johnson</a:t>
+            </a:r>
+            <a:endParaRPr/>
+          </a:p>
+          <a:p>
+            <a:pPr indent="-298450" lvl="1" marL="914400" rtl="0" algn="l">
+              <a:spcBef>
+                <a:spcPts val="0"/>
+              </a:spcBef>
+              <a:spcAft>
+                <a:spcPts val="0"/>
+              </a:spcAft>
+              <a:buSzPts val="1100"/>
+              <a:buChar char="○"/>
+            </a:pPr>
+            <a:r>
+              <a:rPr lang="en"/>
+              <a:t>Philip Bernhard</a:t>
+            </a:r>
+            <a:endParaRPr/>
+          </a:p>
+          <a:p>
+            <a:pPr indent="-298450" lvl="1" marL="914400" rtl="0" algn="l">
+              <a:spcBef>
+                <a:spcPts val="0"/>
+              </a:spcBef>
+              <a:spcAft>
+                <a:spcPts val="0"/>
+              </a:spcAft>
+              <a:buSzPts val="1100"/>
+              <a:buChar char="○"/>
+            </a:pPr>
+            <a:r>
+              <a:rPr lang="en"/>
+              <a:t>Timothy Frazier</a:t>
+            </a:r>
+            <a:endParaRPr/>
+          </a:p>
+          <a:p>
+            <a:pPr indent="-298450" lvl="1" marL="914400" rtl="0" algn="l">
+              <a:spcBef>
+                <a:spcPts val="0"/>
+              </a:spcBef>
+              <a:spcAft>
+                <a:spcPts val="0"/>
+              </a:spcAft>
+              <a:buSzPts val="1100"/>
+              <a:buChar char="○"/>
+            </a:pPr>
+            <a:r>
+              <a:rPr lang="en"/>
+              <a:t>Joshua Calhoun</a:t>
+            </a:r>
+            <a:endParaRPr/>
+          </a:p>
+          <a:p>
+            <a:pPr indent="-298450" lvl="1" marL="914400" rtl="0" algn="l">
+              <a:spcBef>
+                <a:spcPts val="0"/>
+              </a:spcBef>
+              <a:spcAft>
+                <a:spcPts val="0"/>
+              </a:spcAft>
+              <a:buSzPts val="1100"/>
+              <a:buChar char="○"/>
+            </a:pPr>
+            <a:r>
+              <a:rPr lang="en"/>
+              <a:t>Kali Jenson- AEE student</a:t>
+            </a:r>
+            <a:endParaRPr/>
+          </a:p>
+          <a:p>
+            <a:pPr indent="-298450" lvl="1" marL="914400" rtl="0" algn="l">
+              <a:spcBef>
+                <a:spcPts val="0"/>
+              </a:spcBef>
+              <a:spcAft>
+                <a:spcPts val="0"/>
+              </a:spcAft>
+              <a:buSzPts val="1100"/>
+              <a:buChar char="○"/>
+            </a:pPr>
+            <a:r>
+              <a:rPr lang="en"/>
+              <a:t>Chris Mateo- ECE student</a:t>
+            </a:r>
             <a:r>
               <a:rPr lang="en"/>
               <a:t> </a:t>
@@ -10708,8 +10875,14 @@
             <a:avLst/>
           </a:prstGeom>
           <a:noFill/>
-          <a:ln>
-            <a:noFill/>
+          <a:ln cap="flat" cmpd="sng" w="19050">
+            <a:solidFill>
+              <a:schemeClr val="dk2"/>
+            </a:solidFill>
+            <a:prstDash val="solid"/>
+            <a:round/>
+            <a:headEnd len="sm" w="sm" type="none"/>
+            <a:tailEnd len="sm" w="sm" type="none"/>
           </a:ln>
         </p:spPr>
       </p:pic>
@@ -11135,9 +11308,13 @@
             </a:pPr>
             <a:r>
               <a:rPr lang="en"/>
-              <a:t>Use sensors to detect environment composition and trigger appropriate system responses</a:t>
+              <a:t>Use sensors to detect environment composition and trigger appropriate system responses. E.g. water, light, nitrogen, CO</a:t>
             </a:r>
-            <a:endParaRPr/>
+            <a:r>
+              <a:rPr baseline="-25000" lang="en"/>
+              <a:t>2</a:t>
+            </a:r>
+            <a:endParaRPr baseline="-25000"/>
           </a:p>
           <a:p>
             <a:pPr indent="-298450" lvl="1" marL="914400" rtl="0" algn="l">
@@ -11255,23 +11432,6 @@
             <a:r>
               <a:rPr lang="en"/>
               <a:t>Reorder all actuators and queues for the next cycle</a:t>
-            </a:r>
-            <a:endParaRPr/>
-          </a:p>
-          <a:p>
-            <a:pPr indent="-311150" lvl="0" marL="457200" rtl="0" algn="l">
-              <a:spcBef>
-                <a:spcPts val="0"/>
-              </a:spcBef>
-              <a:spcAft>
-                <a:spcPts val="0"/>
-              </a:spcAft>
-              <a:buSzPts val="1300"/>
-              <a:buChar char="●"/>
-            </a:pPr>
-            <a:r>
-              <a:rPr lang="en"/>
-              <a:t>Restart</a:t>
             </a:r>
             <a:endParaRPr/>
           </a:p>
@@ -11293,19 +11453,19 @@
         </p:blipFill>
         <p:spPr>
           <a:xfrm>
-            <a:off x="5959050" y="2000700"/>
-            <a:ext cx="2861450" cy="2749100"/>
+            <a:off x="5870550" y="1730925"/>
+            <a:ext cx="3035974" cy="3008225"/>
           </a:xfrm>
           <a:prstGeom prst="rect">
             <a:avLst/>
           </a:prstGeom>
           <a:noFill/>
-          <a:ln cap="flat" cmpd="sng" w="25400">
+          <a:ln cap="flat" cmpd="sng" w="19050">
             <a:solidFill>
-              <a:srgbClr val="666666"/>
+              <a:schemeClr val="dk2"/>
             </a:solidFill>
             <a:prstDash val="solid"/>
-            <a:miter lim="8000"/>
+            <a:round/>
             <a:headEnd len="sm" w="sm" type="none"/>
             <a:tailEnd len="sm" w="sm" type="none"/>
           </a:ln>
@@ -11720,8 +11880,14 @@
             <a:avLst/>
           </a:prstGeom>
           <a:noFill/>
-          <a:ln>
-            <a:noFill/>
+          <a:ln cap="flat" cmpd="sng" w="19050">
+            <a:solidFill>
+              <a:schemeClr val="dk2"/>
+            </a:solidFill>
+            <a:prstDash val="solid"/>
+            <a:round/>
+            <a:headEnd len="sm" w="sm" type="none"/>
+            <a:tailEnd len="sm" w="sm" type="none"/>
           </a:ln>
         </p:spPr>
       </p:pic>
@@ -11812,6 +11978,26 @@
             <a:noAutofit/>
           </a:bodyPr>
           <a:lstStyle/>
+          <a:p>
+            <a:pPr indent="-317500" lvl="0" marL="457200" rtl="0" algn="l">
+              <a:lnSpc>
+                <a:spcPct val="150000"/>
+              </a:lnSpc>
+              <a:spcBef>
+                <a:spcPts val="0"/>
+              </a:spcBef>
+              <a:spcAft>
+                <a:spcPts val="0"/>
+              </a:spcAft>
+              <a:buSzPts val="1400"/>
+              <a:buChar char="●"/>
+            </a:pPr>
+            <a:r>
+              <a:rPr lang="en" sz="1400"/>
+              <a:t>Choosing microcontroller</a:t>
+            </a:r>
+            <a:endParaRPr sz="1400"/>
+          </a:p>
           <a:p>
             <a:pPr indent="-317500" lvl="0" marL="457200" rtl="0" algn="l">
               <a:lnSpc>
@@ -12156,7 +12342,7 @@
             </a:pPr>
             <a:r>
               <a:rPr lang="en" sz="1400"/>
-              <a:t>Implement inheritable high-level interfaces for sensor communication</a:t>
+              <a:t>Implement inheritable high-level interfaces/classes for sensor communication</a:t>
             </a:r>
             <a:endParaRPr sz="1400"/>
           </a:p>
@@ -12316,6 +12502,42 @@
             <a:r>
               <a:rPr lang="en" sz="1400"/>
               <a:t>Start a preliminary product breakdown structure</a:t>
+            </a:r>
+            <a:endParaRPr sz="1400"/>
+          </a:p>
+          <a:p>
+            <a:pPr indent="-317500" lvl="0" marL="457200" rtl="0" algn="l">
+              <a:lnSpc>
+                <a:spcPct val="115000"/>
+              </a:lnSpc>
+              <a:spcBef>
+                <a:spcPts val="0"/>
+              </a:spcBef>
+              <a:spcAft>
+                <a:spcPts val="0"/>
+              </a:spcAft>
+              <a:buSzPts val="1400"/>
+              <a:buChar char="●"/>
+            </a:pPr>
+            <a:r>
+              <a:rPr lang="en" sz="1400"/>
+              <a:t>At least one sensor and actuator </a:t>
+            </a:r>
+            <a:r>
+              <a:rPr lang="en" sz="1400"/>
+              <a:t>functioning</a:t>
+            </a:r>
+            <a:r>
+              <a:rPr lang="en" sz="1400"/>
+              <a:t> </a:t>
+            </a:r>
+            <a:r>
+              <a:rPr lang="en" sz="1400"/>
+              <a:t>according</a:t>
+            </a:r>
+            <a:r>
+              <a:rPr lang="en" sz="1400"/>
+              <a:t> to some schedule and simulated environment</a:t>
             </a:r>
             <a:endParaRPr sz="1400"/>
           </a:p>

--- a/docs/ProjectPlanPresentation.pptx
+++ b/docs/ProjectPlanPresentation.pptx
@@ -18,23 +18,24 @@
     <p:sldId id="263" r:id="rId13"/>
     <p:sldId id="264" r:id="rId14"/>
     <p:sldId id="265" r:id="rId15"/>
+    <p:sldId id="266" r:id="rId16"/>
   </p:sldIdLst>
   <p:sldSz cy="5143500" cx="9144000"/>
   <p:notesSz cx="6858000" cy="9144000"/>
   <p:embeddedFontLst>
     <p:embeddedFont>
       <p:font typeface="Montserrat"/>
-      <p:regular r:id="rId16"/>
-      <p:bold r:id="rId17"/>
-      <p:italic r:id="rId18"/>
-      <p:boldItalic r:id="rId19"/>
+      <p:regular r:id="rId17"/>
+      <p:bold r:id="rId18"/>
+      <p:italic r:id="rId19"/>
+      <p:boldItalic r:id="rId20"/>
     </p:embeddedFont>
     <p:embeddedFont>
       <p:font typeface="Lato"/>
-      <p:regular r:id="rId20"/>
-      <p:bold r:id="rId21"/>
-      <p:italic r:id="rId22"/>
-      <p:boldItalic r:id="rId23"/>
+      <p:regular r:id="rId21"/>
+      <p:bold r:id="rId22"/>
+      <p:italic r:id="rId23"/>
+      <p:boldItalic r:id="rId24"/>
     </p:embeddedFont>
   </p:embeddedFontLst>
   <p:defaultTextStyle>
@@ -829,7 +830,7 @@
       </p:grpSpPr>
       <p:sp>
         <p:nvSpPr>
-          <p:cNvPr id="189" name="Google Shape;189;g476cd564c9_0_37:notes"/>
+          <p:cNvPr id="189" name="Google Shape;189;g5feccb6776_0_2:notes"/>
           <p:cNvSpPr/>
           <p:nvPr>
             <p:ph idx="2" type="sldImg"/>
@@ -864,7 +865,106 @@
       </p:sp>
       <p:sp>
         <p:nvSpPr>
-          <p:cNvPr id="190" name="Google Shape;190;g476cd564c9_0_37:notes"/>
+          <p:cNvPr id="190" name="Google Shape;190;g5feccb6776_0_2:notes"/>
+          <p:cNvSpPr txBox="1"/>
+          <p:nvPr>
+            <p:ph idx="1" type="body"/>
+          </p:nvPr>
+        </p:nvSpPr>
+        <p:spPr>
+          <a:xfrm>
+            <a:off x="685800" y="4343400"/>
+            <a:ext cx="5486400" cy="4114800"/>
+          </a:xfrm>
+          <a:prstGeom prst="rect">
+            <a:avLst/>
+          </a:prstGeom>
+        </p:spPr>
+        <p:txBody>
+          <a:bodyPr anchorCtr="0" anchor="t" bIns="91425" lIns="91425" spcFirstLastPara="1" rIns="91425" wrap="square" tIns="91425">
+            <a:noAutofit/>
+          </a:bodyPr>
+          <a:lstStyle/>
+          <a:p>
+            <a:pPr indent="0" lvl="0" marL="0" rtl="0" algn="l">
+              <a:spcBef>
+                <a:spcPts val="0"/>
+              </a:spcBef>
+              <a:spcAft>
+                <a:spcPts val="0"/>
+              </a:spcAft>
+              <a:buNone/>
+            </a:pPr>
+            <a:r>
+              <a:t/>
+            </a:r>
+            <a:endParaRPr/>
+          </a:p>
+        </p:txBody>
+      </p:sp>
+    </p:spTree>
+  </p:cSld>
+  <p:clrMapOvr>
+    <a:masterClrMapping/>
+  </p:clrMapOvr>
+</p:notes>
+</file>
+
+<file path=ppt/notesSlides/notesSlide11.xml><?xml version="1.0" encoding="utf-8"?>
+<p:notes xmlns:a="http://schemas.openxmlformats.org/drawingml/2006/main" xmlns:r="http://schemas.openxmlformats.org/officeDocument/2006/relationships" xmlns:mc="http://schemas.openxmlformats.org/markup-compatibility/2006" xmlns:mv="urn:schemas-microsoft-com:mac:vml" xmlns:p="http://schemas.openxmlformats.org/presentationml/2006/main" xmlns:c="http://schemas.openxmlformats.org/drawingml/2006/chart" xmlns:dgm="http://schemas.openxmlformats.org/drawingml/2006/diagram" xmlns:o="urn:schemas-microsoft-com:office:office" xmlns:v="urn:schemas-microsoft-com:vml" xmlns:pvml="urn:schemas-microsoft-com:office:powerpoint" xmlns:com="http://schemas.openxmlformats.org/drawingml/2006/compatibility" xmlns:p14="http://schemas.microsoft.com/office/powerpoint/2010/main" xmlns:p15="http://schemas.microsoft.com/office/powerpoint/2012/main" showMasterPhAnim="0" showMasterSp="0">
+  <p:cSld>
+    <p:spTree>
+      <p:nvGrpSpPr>
+        <p:cNvPr id="194" name="Shape 194"/>
+        <p:cNvGrpSpPr/>
+        <p:nvPr/>
+      </p:nvGrpSpPr>
+      <p:grpSpPr>
+        <a:xfrm>
+          <a:off x="0" y="0"/>
+          <a:ext cx="0" cy="0"/>
+          <a:chOff x="0" y="0"/>
+          <a:chExt cx="0" cy="0"/>
+        </a:xfrm>
+      </p:grpSpPr>
+      <p:sp>
+        <p:nvSpPr>
+          <p:cNvPr id="195" name="Google Shape;195;g476cd564c9_0_37:notes"/>
+          <p:cNvSpPr/>
+          <p:nvPr>
+            <p:ph idx="2" type="sldImg"/>
+          </p:nvPr>
+        </p:nvSpPr>
+        <p:spPr>
+          <a:xfrm>
+            <a:off x="381300" y="685800"/>
+            <a:ext cx="6096000" cy="3429000"/>
+          </a:xfrm>
+          <a:custGeom>
+            <a:rect b="b" l="l" r="r" t="t"/>
+            <a:pathLst>
+              <a:path extrusionOk="0" h="120000" w="120000">
+                <a:moveTo>
+                  <a:pt x="0" y="0"/>
+                </a:moveTo>
+                <a:lnTo>
+                  <a:pt x="120000" y="0"/>
+                </a:lnTo>
+                <a:lnTo>
+                  <a:pt x="120000" y="120000"/>
+                </a:lnTo>
+                <a:lnTo>
+                  <a:pt x="0" y="120000"/>
+                </a:lnTo>
+                <a:close/>
+              </a:path>
+            </a:pathLst>
+          </a:custGeom>
+        </p:spPr>
+      </p:sp>
+      <p:sp>
+        <p:nvSpPr>
+          <p:cNvPr id="196" name="Google Shape;196;g476cd564c9_0_37:notes"/>
           <p:cNvSpPr txBox="1"/>
           <p:nvPr>
             <p:ph idx="1" type="body"/>
@@ -10064,7 +10164,7 @@
             </a:pPr>
             <a:r>
               <a:rPr lang="en"/>
-              <a:t>Questions?</a:t>
+              <a:t>Some Resources</a:t>
             </a:r>
             <a:endParaRPr/>
           </a:p>
@@ -10073,6 +10173,368 @@
       <p:sp>
         <p:nvSpPr>
           <p:cNvPr id="193" name="Google Shape;193;p22"/>
+          <p:cNvSpPr txBox="1"/>
+          <p:nvPr>
+            <p:ph idx="1" type="body"/>
+          </p:nvPr>
+        </p:nvSpPr>
+        <p:spPr>
+          <a:xfrm>
+            <a:off x="1297500" y="1567550"/>
+            <a:ext cx="7038900" cy="2911200"/>
+          </a:xfrm>
+          <a:prstGeom prst="rect">
+            <a:avLst/>
+          </a:prstGeom>
+        </p:spPr>
+        <p:txBody>
+          <a:bodyPr anchorCtr="0" anchor="t" bIns="91425" lIns="91425" spcFirstLastPara="1" rIns="91425" wrap="square" tIns="91425">
+            <a:noAutofit/>
+          </a:bodyPr>
+          <a:lstStyle/>
+          <a:p>
+            <a:pPr indent="-311150" lvl="0" marL="457200" rtl="0" algn="l">
+              <a:spcBef>
+                <a:spcPts val="0"/>
+              </a:spcBef>
+              <a:spcAft>
+                <a:spcPts val="0"/>
+              </a:spcAft>
+              <a:buSzPts val="1300"/>
+              <a:buChar char="●"/>
+            </a:pPr>
+            <a:r>
+              <a:rPr lang="en"/>
+              <a:t>H</a:t>
+            </a:r>
+            <a:r>
+              <a:rPr lang="en"/>
+              <a:t>orticulture</a:t>
+            </a:r>
+            <a:r>
+              <a:rPr lang="en"/>
+              <a:t>: </a:t>
+            </a:r>
+            <a:endParaRPr/>
+          </a:p>
+          <a:p>
+            <a:pPr indent="-298450" lvl="1" marL="914400" rtl="0" algn="l">
+              <a:spcBef>
+                <a:spcPts val="0"/>
+              </a:spcBef>
+              <a:spcAft>
+                <a:spcPts val="0"/>
+              </a:spcAft>
+              <a:buSzPts val="1100"/>
+              <a:buChar char="○"/>
+            </a:pPr>
+            <a:r>
+              <a:rPr lang="en" sz="1100" u="sng">
+                <a:solidFill>
+                  <a:schemeClr val="hlink"/>
+                </a:solidFill>
+                <a:latin typeface="Arial"/>
+                <a:ea typeface="Arial"/>
+                <a:cs typeface="Arial"/>
+                <a:sym typeface="Arial"/>
+                <a:hlinkClick r:id="rId3"/>
+              </a:rPr>
+              <a:t>http://old-hos.ifas.ufl.edu/faculty/alpaul</a:t>
+            </a:r>
+            <a:r>
+              <a:rPr lang="en"/>
+              <a:t> - </a:t>
+            </a:r>
+            <a:r>
+              <a:rPr i="1" lang="en" sz="800"/>
+              <a:t>(Publications list)</a:t>
+            </a:r>
+            <a:endParaRPr i="1" sz="800"/>
+          </a:p>
+          <a:p>
+            <a:pPr indent="-298450" lvl="1" marL="914400" rtl="0" algn="l">
+              <a:spcBef>
+                <a:spcPts val="0"/>
+              </a:spcBef>
+              <a:spcAft>
+                <a:spcPts val="0"/>
+              </a:spcAft>
+              <a:buSzPts val="1100"/>
+              <a:buChar char="○"/>
+            </a:pPr>
+            <a:r>
+              <a:rPr lang="en" u="sng">
+                <a:solidFill>
+                  <a:schemeClr val="hlink"/>
+                </a:solidFill>
+                <a:latin typeface="Arial"/>
+                <a:ea typeface="Arial"/>
+                <a:cs typeface="Arial"/>
+                <a:sym typeface="Arial"/>
+                <a:hlinkClick r:id="rId4"/>
+              </a:rPr>
+              <a:t>https://www.nature.com/articles/npjmgrav201523</a:t>
+            </a:r>
+            <a:endParaRPr/>
+          </a:p>
+          <a:p>
+            <a:pPr indent="-298450" lvl="1" marL="914400" rtl="0" algn="l">
+              <a:spcBef>
+                <a:spcPts val="0"/>
+              </a:spcBef>
+              <a:spcAft>
+                <a:spcPts val="0"/>
+              </a:spcAft>
+              <a:buSzPts val="1100"/>
+              <a:buChar char="○"/>
+            </a:pPr>
+            <a:r>
+              <a:rPr lang="en" u="sng">
+                <a:solidFill>
+                  <a:schemeClr val="hlink"/>
+                </a:solidFill>
+                <a:latin typeface="Arial"/>
+                <a:ea typeface="Arial"/>
+                <a:cs typeface="Arial"/>
+                <a:sym typeface="Arial"/>
+                <a:hlinkClick r:id="rId5"/>
+              </a:rPr>
+              <a:t>https://www.nasa.gov/feature/nasa-testing-method-to-grow-bigger-plants-in-space</a:t>
+            </a:r>
+            <a:endParaRPr/>
+          </a:p>
+          <a:p>
+            <a:pPr indent="-298450" lvl="1" marL="914400" rtl="0" algn="l">
+              <a:spcBef>
+                <a:spcPts val="0"/>
+              </a:spcBef>
+              <a:spcAft>
+                <a:spcPts val="0"/>
+              </a:spcAft>
+              <a:buSzPts val="1100"/>
+              <a:buChar char="○"/>
+            </a:pPr>
+            <a:r>
+              <a:rPr lang="en" u="sng">
+                <a:solidFill>
+                  <a:schemeClr val="hlink"/>
+                </a:solidFill>
+                <a:latin typeface="Arial"/>
+                <a:ea typeface="Arial"/>
+                <a:cs typeface="Arial"/>
+                <a:sym typeface="Arial"/>
+                <a:hlinkClick r:id="rId6"/>
+              </a:rPr>
+              <a:t>https://www.nasa.gov/content/growing-plants-in-space</a:t>
+            </a:r>
+            <a:endParaRPr/>
+          </a:p>
+          <a:p>
+            <a:pPr indent="-298450" lvl="1" marL="914400" rtl="0" algn="l">
+              <a:spcBef>
+                <a:spcPts val="0"/>
+              </a:spcBef>
+              <a:spcAft>
+                <a:spcPts val="0"/>
+              </a:spcAft>
+              <a:buSzPts val="1100"/>
+              <a:buChar char="○"/>
+            </a:pPr>
+            <a:r>
+              <a:rPr lang="en" u="sng">
+                <a:solidFill>
+                  <a:schemeClr val="hlink"/>
+                </a:solidFill>
+                <a:latin typeface="Arial"/>
+                <a:ea typeface="Arial"/>
+                <a:cs typeface="Arial"/>
+                <a:sym typeface="Arial"/>
+                <a:hlinkClick r:id="rId7"/>
+              </a:rPr>
+              <a:t>https://www.businessinsider.com/mit-student-invented-robot-for-food-in-space-2016-4</a:t>
+            </a:r>
+            <a:endParaRPr/>
+          </a:p>
+          <a:p>
+            <a:pPr indent="-298450" lvl="1" marL="914400" rtl="0" algn="l">
+              <a:spcBef>
+                <a:spcPts val="0"/>
+              </a:spcBef>
+              <a:spcAft>
+                <a:spcPts val="0"/>
+              </a:spcAft>
+              <a:buSzPts val="1100"/>
+              <a:buChar char="○"/>
+            </a:pPr>
+            <a:r>
+              <a:rPr lang="en" u="sng">
+                <a:solidFill>
+                  <a:schemeClr val="hlink"/>
+                </a:solidFill>
+                <a:latin typeface="Arial"/>
+                <a:ea typeface="Arial"/>
+                <a:cs typeface="Arial"/>
+                <a:sym typeface="Arial"/>
+                <a:hlinkClick r:id="rId8"/>
+              </a:rPr>
+              <a:t>https://www.nasa.gov/feature/how-does-your-space-garden-grow</a:t>
+            </a:r>
+            <a:endParaRPr/>
+          </a:p>
+          <a:p>
+            <a:pPr indent="-311150" lvl="0" marL="457200" rtl="0" algn="l">
+              <a:spcBef>
+                <a:spcPts val="0"/>
+              </a:spcBef>
+              <a:spcAft>
+                <a:spcPts val="0"/>
+              </a:spcAft>
+              <a:buSzPts val="1300"/>
+              <a:buChar char="●"/>
+            </a:pPr>
+            <a:r>
+              <a:rPr lang="en"/>
+              <a:t>Payload design:</a:t>
+            </a:r>
+            <a:endParaRPr/>
+          </a:p>
+          <a:p>
+            <a:pPr indent="-298450" lvl="1" marL="914400" rtl="0" algn="l">
+              <a:spcBef>
+                <a:spcPts val="0"/>
+              </a:spcBef>
+              <a:spcAft>
+                <a:spcPts val="0"/>
+              </a:spcAft>
+              <a:buSzPts val="1100"/>
+              <a:buChar char="○"/>
+            </a:pPr>
+            <a:r>
+              <a:rPr lang="en" u="sng">
+                <a:solidFill>
+                  <a:schemeClr val="hlink"/>
+                </a:solidFill>
+                <a:latin typeface="Arial"/>
+                <a:ea typeface="Arial"/>
+                <a:cs typeface="Arial"/>
+                <a:sym typeface="Arial"/>
+                <a:hlinkClick r:id="rId9"/>
+              </a:rPr>
+              <a:t>https://www.blueorigin.com/new-shepard/new-shepard-payloads/</a:t>
+            </a:r>
+            <a:endParaRPr/>
+          </a:p>
+          <a:p>
+            <a:pPr indent="-298450" lvl="1" marL="914400" rtl="0" algn="l">
+              <a:spcBef>
+                <a:spcPts val="0"/>
+              </a:spcBef>
+              <a:spcAft>
+                <a:spcPts val="0"/>
+              </a:spcAft>
+              <a:buSzPts val="1100"/>
+              <a:buChar char="○"/>
+            </a:pPr>
+            <a:r>
+              <a:rPr lang="en" u="sng">
+                <a:solidFill>
+                  <a:schemeClr val="hlink"/>
+                </a:solidFill>
+                <a:latin typeface="Arial"/>
+                <a:ea typeface="Arial"/>
+                <a:cs typeface="Arial"/>
+                <a:sym typeface="Arial"/>
+                <a:hlinkClick r:id="rId10"/>
+              </a:rPr>
+              <a:t>https://www.nasa.gov/pdf/360394main_P05_0940_MSFC.pdf</a:t>
+            </a:r>
+            <a:endParaRPr/>
+          </a:p>
+          <a:p>
+            <a:pPr indent="0" lvl="0" marL="0" rtl="0" algn="l">
+              <a:spcBef>
+                <a:spcPts val="1600"/>
+              </a:spcBef>
+              <a:spcAft>
+                <a:spcPts val="1600"/>
+              </a:spcAft>
+              <a:buNone/>
+            </a:pPr>
+            <a:r>
+              <a:t/>
+            </a:r>
+            <a:endParaRPr/>
+          </a:p>
+        </p:txBody>
+      </p:sp>
+    </p:spTree>
+  </p:cSld>
+  <p:clrMapOvr>
+    <a:masterClrMapping/>
+  </p:clrMapOvr>
+</p:sld>
+</file>
+
+<file path=ppt/slides/slide11.xml><?xml version="1.0" encoding="utf-8"?>
+<p:sld xmlns:a="http://schemas.openxmlformats.org/drawingml/2006/main" xmlns:r="http://schemas.openxmlformats.org/officeDocument/2006/relationships" xmlns:mc="http://schemas.openxmlformats.org/markup-compatibility/2006" xmlns:mv="urn:schemas-microsoft-com:mac:vml" xmlns:p="http://schemas.openxmlformats.org/presentationml/2006/main" xmlns:c="http://schemas.openxmlformats.org/drawingml/2006/chart" xmlns:dgm="http://schemas.openxmlformats.org/drawingml/2006/diagram" xmlns:o="urn:schemas-microsoft-com:office:office" xmlns:v="urn:schemas-microsoft-com:vml" xmlns:pvml="urn:schemas-microsoft-com:office:powerpoint" xmlns:com="http://schemas.openxmlformats.org/drawingml/2006/compatibility" xmlns:p14="http://schemas.microsoft.com/office/powerpoint/2010/main" xmlns:p15="http://schemas.microsoft.com/office/powerpoint/2012/main">
+  <p:cSld>
+    <p:spTree>
+      <p:nvGrpSpPr>
+        <p:cNvPr id="197" name="Shape 197"/>
+        <p:cNvGrpSpPr/>
+        <p:nvPr/>
+      </p:nvGrpSpPr>
+      <p:grpSpPr>
+        <a:xfrm>
+          <a:off x="0" y="0"/>
+          <a:ext cx="0" cy="0"/>
+          <a:chOff x="0" y="0"/>
+          <a:chExt cx="0" cy="0"/>
+        </a:xfrm>
+      </p:grpSpPr>
+      <p:sp>
+        <p:nvSpPr>
+          <p:cNvPr id="198" name="Google Shape;198;p23"/>
+          <p:cNvSpPr txBox="1"/>
+          <p:nvPr>
+            <p:ph type="title"/>
+          </p:nvPr>
+        </p:nvSpPr>
+        <p:spPr>
+          <a:xfrm>
+            <a:off x="1297500" y="393750"/>
+            <a:ext cx="7038900" cy="914100"/>
+          </a:xfrm>
+          <a:prstGeom prst="rect">
+            <a:avLst/>
+          </a:prstGeom>
+        </p:spPr>
+        <p:txBody>
+          <a:bodyPr anchorCtr="0" anchor="t" bIns="91425" lIns="91425" spcFirstLastPara="1" rIns="91425" wrap="square" tIns="91425">
+            <a:noAutofit/>
+          </a:bodyPr>
+          <a:lstStyle/>
+          <a:p>
+            <a:pPr indent="0" lvl="0" marL="0" rtl="0" algn="l">
+              <a:spcBef>
+                <a:spcPts val="0"/>
+              </a:spcBef>
+              <a:spcAft>
+                <a:spcPts val="0"/>
+              </a:spcAft>
+              <a:buNone/>
+            </a:pPr>
+            <a:r>
+              <a:rPr lang="en"/>
+              <a:t>Questions?</a:t>
+            </a:r>
+            <a:endParaRPr/>
+          </a:p>
+        </p:txBody>
+      </p:sp>
+      <p:sp>
+        <p:nvSpPr>
+          <p:cNvPr id="199" name="Google Shape;199;p23"/>
           <p:cNvSpPr txBox="1"/>
           <p:nvPr/>
         </p:nvSpPr>
@@ -10163,7 +10625,7 @@
         </p:nvSpPr>
         <p:spPr>
           <a:xfrm>
-            <a:off x="1297500" y="393750"/>
+            <a:off x="1083575" y="379675"/>
             <a:ext cx="7038900" cy="914100"/>
           </a:xfrm>
           <a:prstGeom prst="rect">
@@ -10203,7 +10665,7 @@
         </p:nvSpPr>
         <p:spPr>
           <a:xfrm>
-            <a:off x="1083575" y="1110350"/>
+            <a:off x="1083575" y="1034150"/>
             <a:ext cx="3264900" cy="2911200"/>
           </a:xfrm>
           <a:prstGeom prst="rect">
@@ -10244,7 +10706,7 @@
             </a:pPr>
             <a:r>
               <a:rPr lang="en"/>
-              <a:t>Chris Millsap</a:t>
+              <a:t>Chris Millsap </a:t>
             </a:r>
             <a:endParaRPr/>
           </a:p>
@@ -10345,6 +10807,23 @@
             <a:r>
               <a:rPr lang="en"/>
               <a:t>Companies that want prolonged human habitation in space and/or on other planets</a:t>
+            </a:r>
+            <a:endParaRPr/>
+          </a:p>
+          <a:p>
+            <a:pPr indent="-311150" lvl="0" marL="457200" rtl="0" algn="l">
+              <a:spcBef>
+                <a:spcPts val="0"/>
+              </a:spcBef>
+              <a:spcAft>
+                <a:spcPts val="0"/>
+              </a:spcAft>
+              <a:buSzPts val="1300"/>
+              <a:buChar char="●"/>
+            </a:pPr>
+            <a:r>
+              <a:rPr lang="en"/>
+              <a:t>Blue Origin Shepard Payloads</a:t>
             </a:r>
             <a:endParaRPr/>
           </a:p>
@@ -10375,7 +10854,7 @@
         </p:nvSpPr>
         <p:spPr>
           <a:xfrm>
-            <a:off x="4348400" y="1110350"/>
+            <a:off x="4348400" y="1034150"/>
             <a:ext cx="4693200" cy="3481200"/>
           </a:xfrm>
           <a:prstGeom prst="rect">
@@ -10425,38 +10904,38 @@
             <a:endParaRPr/>
           </a:p>
           <a:p>
-            <a:pPr indent="-298450" lvl="1" marL="914400" rtl="0" algn="l">
-              <a:spcBef>
-                <a:spcPts val="0"/>
-              </a:spcBef>
-              <a:spcAft>
-                <a:spcPts val="0"/>
-              </a:spcAft>
-              <a:buSzPts val="1100"/>
+            <a:pPr indent="-292100" lvl="1" marL="914400" rtl="0" algn="l">
+              <a:spcBef>
+                <a:spcPts val="0"/>
+              </a:spcBef>
+              <a:spcAft>
+                <a:spcPts val="0"/>
+              </a:spcAft>
+              <a:buSzPts val="1000"/>
               <a:buChar char="○"/>
             </a:pPr>
             <a:r>
-              <a:rPr lang="en"/>
-              <a:t>Dr. Andrew Palmer</a:t>
-            </a:r>
-            <a:endParaRPr/>
-          </a:p>
-          <a:p>
-            <a:pPr indent="-298450" lvl="1" marL="914400" rtl="0" algn="l">
-              <a:spcBef>
-                <a:spcPts val="0"/>
-              </a:spcBef>
-              <a:spcAft>
-                <a:spcPts val="0"/>
-              </a:spcAft>
-              <a:buSzPts val="1100"/>
+              <a:rPr lang="en" sz="1000"/>
+              <a:t>POC: Dr. Andrew Palmer</a:t>
+            </a:r>
+            <a:endParaRPr sz="1000"/>
+          </a:p>
+          <a:p>
+            <a:pPr indent="-292100" lvl="1" marL="914400" rtl="0" algn="l">
+              <a:spcBef>
+                <a:spcPts val="0"/>
+              </a:spcBef>
+              <a:spcAft>
+                <a:spcPts val="0"/>
+              </a:spcAft>
+              <a:buSzPts val="1000"/>
               <a:buChar char="○"/>
             </a:pPr>
             <a:r>
-              <a:rPr lang="en"/>
+              <a:rPr lang="en" sz="1000"/>
               <a:t>David Masaitis</a:t>
             </a:r>
-            <a:endParaRPr/>
+            <a:endParaRPr sz="1000"/>
           </a:p>
           <a:p>
             <a:pPr indent="-311150" lvl="0" marL="457200" rtl="0" algn="l">
@@ -10476,193 +10955,259 @@
             <a:endParaRPr/>
           </a:p>
           <a:p>
-            <a:pPr indent="-298450" lvl="1" marL="914400" rtl="0" algn="l">
-              <a:spcBef>
-                <a:spcPts val="0"/>
-              </a:spcBef>
-              <a:spcAft>
-                <a:spcPts val="0"/>
-              </a:spcAft>
-              <a:buSzPts val="1100"/>
+            <a:pPr indent="-292100" lvl="1" marL="914400" rtl="0" algn="l">
+              <a:spcBef>
+                <a:spcPts val="0"/>
+              </a:spcBef>
+              <a:spcAft>
+                <a:spcPts val="0"/>
+              </a:spcAft>
+              <a:buSzPts val="1000"/>
               <a:buChar char="○"/>
             </a:pPr>
             <a:r>
-              <a:rPr lang="en"/>
+              <a:rPr lang="en" sz="1000"/>
               <a:t>Elisabeth Kames Ph.D. - Coordinator</a:t>
             </a:r>
-            <a:endParaRPr/>
-          </a:p>
-          <a:p>
-            <a:pPr indent="-298450" lvl="1" marL="914400" rtl="0" algn="l">
-              <a:spcBef>
-                <a:spcPts val="0"/>
-              </a:spcBef>
-              <a:spcAft>
-                <a:spcPts val="0"/>
-              </a:spcAft>
-              <a:buSzPts val="1100"/>
+            <a:endParaRPr sz="1000"/>
+          </a:p>
+          <a:p>
+            <a:pPr indent="-292100" lvl="1" marL="914400" rtl="0" algn="l">
+              <a:spcBef>
+                <a:spcPts val="0"/>
+              </a:spcBef>
+              <a:spcAft>
+                <a:spcPts val="0"/>
+              </a:spcAft>
+              <a:buSzPts val="1000"/>
               <a:buChar char="○"/>
             </a:pPr>
             <a:r>
-              <a:rPr lang="en"/>
+              <a:rPr lang="en" sz="1000"/>
+              <a:t>Courtney Cline - MEE Project POC</a:t>
+            </a:r>
+            <a:endParaRPr sz="1000"/>
+          </a:p>
+          <a:p>
+            <a:pPr indent="-292100" lvl="1" marL="914400" rtl="0" algn="l">
+              <a:spcBef>
+                <a:spcPts val="0"/>
+              </a:spcBef>
+              <a:spcAft>
+                <a:spcPts val="0"/>
+              </a:spcAft>
+              <a:buSzPts val="1000"/>
+              <a:buChar char="○"/>
+            </a:pPr>
+            <a:r>
+              <a:rPr lang="en" sz="1000"/>
+              <a:t>Heat Transfer:</a:t>
+            </a:r>
+            <a:endParaRPr sz="1000"/>
+          </a:p>
+          <a:p>
+            <a:pPr indent="-292100" lvl="2" marL="1371600" rtl="0" algn="l">
+              <a:spcBef>
+                <a:spcPts val="0"/>
+              </a:spcBef>
+              <a:spcAft>
+                <a:spcPts val="0"/>
+              </a:spcAft>
+              <a:buSzPts val="1000"/>
+              <a:buChar char="■"/>
+            </a:pPr>
+            <a:r>
+              <a:rPr lang="en" sz="1000"/>
               <a:t>Dominic Allard</a:t>
             </a:r>
-            <a:endParaRPr/>
-          </a:p>
-          <a:p>
-            <a:pPr indent="-298450" lvl="1" marL="914400" rtl="0" algn="l">
-              <a:spcBef>
-                <a:spcPts val="0"/>
-              </a:spcBef>
-              <a:spcAft>
-                <a:spcPts val="0"/>
-              </a:spcAft>
-              <a:buSzPts val="1100"/>
+            <a:endParaRPr sz="1000"/>
+          </a:p>
+          <a:p>
+            <a:pPr indent="-292100" lvl="2" marL="1371600" rtl="0" algn="l">
+              <a:spcBef>
+                <a:spcPts val="0"/>
+              </a:spcBef>
+              <a:spcAft>
+                <a:spcPts val="0"/>
+              </a:spcAft>
+              <a:buSzPts val="1000"/>
+              <a:buChar char="■"/>
+            </a:pPr>
+            <a:r>
+              <a:rPr lang="en" sz="1000"/>
+              <a:t>Joseph Luya</a:t>
+            </a:r>
+            <a:endParaRPr sz="1000"/>
+          </a:p>
+          <a:p>
+            <a:pPr indent="-292100" lvl="2" marL="1371600" rtl="0" algn="l">
+              <a:spcBef>
+                <a:spcPts val="0"/>
+              </a:spcBef>
+              <a:spcAft>
+                <a:spcPts val="0"/>
+              </a:spcAft>
+              <a:buSzPts val="1000"/>
+              <a:buChar char="■"/>
+            </a:pPr>
+            <a:r>
+              <a:rPr lang="en" sz="1000"/>
+              <a:t>POC: Dr. Najafi</a:t>
+            </a:r>
+            <a:endParaRPr sz="1000"/>
+          </a:p>
+          <a:p>
+            <a:pPr indent="-292100" lvl="1" marL="914400" rtl="0" algn="l">
+              <a:spcBef>
+                <a:spcPts val="0"/>
+              </a:spcBef>
+              <a:spcAft>
+                <a:spcPts val="0"/>
+              </a:spcAft>
+              <a:buSzPts val="1000"/>
               <a:buChar char="○"/>
             </a:pPr>
             <a:r>
-              <a:rPr lang="en"/>
-              <a:t>Courtney Cline</a:t>
-            </a:r>
-            <a:endParaRPr/>
-          </a:p>
-          <a:p>
-            <a:pPr indent="-298450" lvl="1" marL="914400" rtl="0" algn="l">
-              <a:spcBef>
-                <a:spcPts val="0"/>
-              </a:spcBef>
-              <a:spcAft>
-                <a:spcPts val="0"/>
-              </a:spcAft>
-              <a:buSzPts val="1100"/>
+              <a:rPr lang="en" sz="1000"/>
+              <a:t>Electrical:</a:t>
+            </a:r>
+            <a:endParaRPr sz="1000"/>
+          </a:p>
+          <a:p>
+            <a:pPr indent="-292100" lvl="2" marL="1371600" rtl="0" algn="l">
+              <a:spcBef>
+                <a:spcPts val="0"/>
+              </a:spcBef>
+              <a:spcAft>
+                <a:spcPts val="0"/>
+              </a:spcAft>
+              <a:buSzPts val="1000"/>
+              <a:buChar char="■"/>
+            </a:pPr>
+            <a:r>
+              <a:rPr lang="en" sz="1000"/>
+              <a:t>Bryce Johnson</a:t>
+            </a:r>
+            <a:endParaRPr sz="1000"/>
+          </a:p>
+          <a:p>
+            <a:pPr indent="-292100" lvl="2" marL="1371600" rtl="0" algn="l">
+              <a:spcBef>
+                <a:spcPts val="0"/>
+              </a:spcBef>
+              <a:spcAft>
+                <a:spcPts val="0"/>
+              </a:spcAft>
+              <a:buSzPts val="1000"/>
+              <a:buChar char="■"/>
+            </a:pPr>
+            <a:r>
+              <a:rPr lang="en" sz="1000"/>
+              <a:t>Philip Bernhard</a:t>
+            </a:r>
+            <a:endParaRPr sz="1000"/>
+          </a:p>
+          <a:p>
+            <a:pPr indent="-292100" lvl="2" marL="1371600" rtl="0" algn="l">
+              <a:spcBef>
+                <a:spcPts val="0"/>
+              </a:spcBef>
+              <a:spcAft>
+                <a:spcPts val="0"/>
+              </a:spcAft>
+              <a:buSzPts val="1000"/>
+              <a:buChar char="■"/>
+            </a:pPr>
+            <a:r>
+              <a:rPr lang="en" sz="1000"/>
+              <a:t>Chris Mateo</a:t>
+            </a:r>
+            <a:endParaRPr sz="1000"/>
+          </a:p>
+          <a:p>
+            <a:pPr indent="-292100" lvl="2" marL="1371600" rtl="0" algn="l">
+              <a:spcBef>
+                <a:spcPts val="0"/>
+              </a:spcBef>
+              <a:spcAft>
+                <a:spcPts val="0"/>
+              </a:spcAft>
+              <a:buSzPts val="1000"/>
+              <a:buChar char="■"/>
+            </a:pPr>
+            <a:r>
+              <a:rPr lang="en" sz="1000"/>
+              <a:t>POC: Ken Gibbs</a:t>
+            </a:r>
+            <a:endParaRPr sz="1000"/>
+          </a:p>
+          <a:p>
+            <a:pPr indent="-292100" lvl="1" marL="914400" rtl="0" algn="l">
+              <a:spcBef>
+                <a:spcPts val="0"/>
+              </a:spcBef>
+              <a:spcAft>
+                <a:spcPts val="0"/>
+              </a:spcAft>
+              <a:buSzPts val="1000"/>
               <a:buChar char="○"/>
             </a:pPr>
             <a:r>
-              <a:rPr lang="en"/>
-              <a:t>Joseph Luya</a:t>
-            </a:r>
-            <a:endParaRPr/>
-          </a:p>
-          <a:p>
-            <a:pPr indent="-298450" lvl="1" marL="914400" rtl="0" algn="l">
-              <a:spcBef>
-                <a:spcPts val="0"/>
-              </a:spcBef>
-              <a:spcAft>
-                <a:spcPts val="0"/>
-              </a:spcAft>
-              <a:buSzPts val="1100"/>
-              <a:buChar char="○"/>
-            </a:pPr>
-            <a:r>
-              <a:rPr lang="en"/>
-              <a:t>Bryce Johnson</a:t>
-            </a:r>
-            <a:endParaRPr/>
-          </a:p>
-          <a:p>
-            <a:pPr indent="-298450" lvl="1" marL="914400" rtl="0" algn="l">
-              <a:spcBef>
-                <a:spcPts val="0"/>
-              </a:spcBef>
-              <a:spcAft>
-                <a:spcPts val="0"/>
-              </a:spcAft>
-              <a:buSzPts val="1100"/>
-              <a:buChar char="○"/>
-            </a:pPr>
-            <a:r>
-              <a:rPr lang="en"/>
-              <a:t>Philip Bernhard</a:t>
-            </a:r>
-            <a:endParaRPr/>
-          </a:p>
-          <a:p>
-            <a:pPr indent="-298450" lvl="1" marL="914400" rtl="0" algn="l">
-              <a:spcBef>
-                <a:spcPts val="0"/>
-              </a:spcBef>
-              <a:spcAft>
-                <a:spcPts val="0"/>
-              </a:spcAft>
-              <a:buSzPts val="1100"/>
-              <a:buChar char="○"/>
-            </a:pPr>
-            <a:r>
-              <a:rPr lang="en"/>
+              <a:rPr lang="en" sz="1000"/>
+              <a:t>Materials:</a:t>
+            </a:r>
+            <a:endParaRPr sz="1000"/>
+          </a:p>
+          <a:p>
+            <a:pPr indent="-292100" lvl="2" marL="1371600" rtl="0" algn="l">
+              <a:spcBef>
+                <a:spcPts val="0"/>
+              </a:spcBef>
+              <a:spcAft>
+                <a:spcPts val="0"/>
+              </a:spcAft>
+              <a:buSzPts val="1000"/>
+              <a:buChar char="■"/>
+            </a:pPr>
+            <a:r>
+              <a:rPr lang="en" sz="1000"/>
               <a:t>Timothy Frazier</a:t>
             </a:r>
-            <a:endParaRPr/>
-          </a:p>
-          <a:p>
-            <a:pPr indent="-298450" lvl="1" marL="914400" rtl="0" algn="l">
-              <a:spcBef>
-                <a:spcPts val="0"/>
-              </a:spcBef>
-              <a:spcAft>
-                <a:spcPts val="0"/>
-              </a:spcAft>
-              <a:buSzPts val="1100"/>
-              <a:buChar char="○"/>
-            </a:pPr>
-            <a:r>
-              <a:rPr lang="en"/>
+            <a:endParaRPr sz="1000"/>
+          </a:p>
+          <a:p>
+            <a:pPr indent="-292100" lvl="2" marL="1371600" rtl="0" algn="l">
+              <a:spcBef>
+                <a:spcPts val="0"/>
+              </a:spcBef>
+              <a:spcAft>
+                <a:spcPts val="0"/>
+              </a:spcAft>
+              <a:buSzPts val="1000"/>
+              <a:buChar char="■"/>
+            </a:pPr>
+            <a:r>
+              <a:rPr lang="en" sz="1000"/>
               <a:t>Joshua Calhoun</a:t>
             </a:r>
-            <a:endParaRPr/>
-          </a:p>
-          <a:p>
-            <a:pPr indent="-298450" lvl="1" marL="914400" rtl="0" algn="l">
-              <a:spcBef>
-                <a:spcPts val="0"/>
-              </a:spcBef>
-              <a:spcAft>
-                <a:spcPts val="0"/>
-              </a:spcAft>
-              <a:buSzPts val="1100"/>
-              <a:buChar char="○"/>
-            </a:pPr>
-            <a:r>
-              <a:rPr lang="en"/>
-              <a:t>Kali Jenson- AEE student</a:t>
-            </a:r>
-            <a:endParaRPr/>
-          </a:p>
-          <a:p>
-            <a:pPr indent="-298450" lvl="1" marL="914400" rtl="0" algn="l">
-              <a:spcBef>
-                <a:spcPts val="0"/>
-              </a:spcBef>
-              <a:spcAft>
-                <a:spcPts val="0"/>
-              </a:spcAft>
-              <a:buSzPts val="1100"/>
-              <a:buChar char="○"/>
-            </a:pPr>
-            <a:r>
-              <a:rPr lang="en"/>
-              <a:t>Chris Mateo- ECE student</a:t>
-            </a:r>
-            <a:r>
-              <a:rPr lang="en"/>
-              <a:t> </a:t>
-            </a:r>
-            <a:endParaRPr/>
-          </a:p>
-          <a:p>
-            <a:pPr indent="0" lvl="0" marL="0" rtl="0" algn="l">
-              <a:spcBef>
-                <a:spcPts val="1600"/>
-              </a:spcBef>
-              <a:spcAft>
-                <a:spcPts val="1600"/>
-              </a:spcAft>
-              <a:buNone/>
-            </a:pPr>
-            <a:r>
-              <a:t/>
-            </a:r>
-            <a:endParaRPr/>
+            <a:endParaRPr sz="1000"/>
+          </a:p>
+          <a:p>
+            <a:pPr indent="-292100" lvl="2" marL="1371600" rtl="0" algn="l">
+              <a:spcBef>
+                <a:spcPts val="0"/>
+              </a:spcBef>
+              <a:spcAft>
+                <a:spcPts val="0"/>
+              </a:spcAft>
+              <a:buSzPts val="1000"/>
+              <a:buChar char="■"/>
+            </a:pPr>
+            <a:r>
+              <a:rPr lang="en" sz="1000"/>
+              <a:t>Kali Jenson</a:t>
+            </a:r>
+            <a:endParaRPr sz="1000"/>
           </a:p>
         </p:txBody>
       </p:sp>
@@ -11088,7 +11633,7 @@
             </a:pPr>
             <a:r>
               <a:rPr lang="en" sz="1400"/>
-              <a:t>Interfacing with the ISS</a:t>
+              <a:t>Interfacing with the ISS lockers &amp; other payload lockers (degrees of portability)</a:t>
             </a:r>
             <a:endParaRPr sz="1400"/>
           </a:p>
